--- a/Github/GIt vs Github.pptx
+++ b/Github/GIt vs Github.pptx
@@ -201,7 +201,7 @@
           <a:p>
             <a:fld id="{EDE0A0D5-8F98-4CC1-A28E-021F0B6B475C}" type="datetimeFigureOut">
               <a:rPr lang="en-US" smtClean="0"/>
-              <a:t>1/10/2023</a:t>
+              <a:t>1/16/2023</a:t>
             </a:fld>
             <a:endParaRPr lang="en-US" dirty="0"/>
           </a:p>
@@ -656,7 +656,7 @@
           <a:p>
             <a:fld id="{3A750590-9F9A-443B-9295-A3931D8194B1}" type="datetime1">
               <a:rPr lang="en-US" smtClean="0"/>
-              <a:t>1/10/2023</a:t>
+              <a:t>1/16/2023</a:t>
             </a:fld>
             <a:endParaRPr lang="en-US" dirty="0"/>
           </a:p>
@@ -994,7 +994,7 @@
           <a:p>
             <a:fld id="{D9359126-4846-4E88-BDD9-5585CC877E47}" type="datetime1">
               <a:rPr lang="en-US" smtClean="0"/>
-              <a:t>1/10/2023</a:t>
+              <a:t>1/16/2023</a:t>
             </a:fld>
             <a:endParaRPr lang="en-US" dirty="0"/>
           </a:p>
@@ -1397,7 +1397,7 @@
           <a:p>
             <a:fld id="{D9359126-4846-4E88-BDD9-5585CC877E47}" type="datetime1">
               <a:rPr lang="en-US" smtClean="0"/>
-              <a:t>1/10/2023</a:t>
+              <a:t>1/16/2023</a:t>
             </a:fld>
             <a:endParaRPr lang="en-US" dirty="0"/>
           </a:p>
@@ -1735,7 +1735,7 @@
           <a:p>
             <a:fld id="{D9359126-4846-4E88-BDD9-5585CC877E47}" type="datetime1">
               <a:rPr lang="en-US" smtClean="0"/>
-              <a:t>1/10/2023</a:t>
+              <a:t>1/16/2023</a:t>
             </a:fld>
             <a:endParaRPr lang="en-US" dirty="0"/>
           </a:p>
@@ -2057,7 +2057,7 @@
           <a:p>
             <a:fld id="{D9359126-4846-4E88-BDD9-5585CC877E47}" type="datetime1">
               <a:rPr lang="en-US" smtClean="0"/>
-              <a:t>1/10/2023</a:t>
+              <a:t>1/16/2023</a:t>
             </a:fld>
             <a:endParaRPr lang="en-US" dirty="0"/>
           </a:p>
@@ -2455,7 +2455,7 @@
           <a:p>
             <a:fld id="{D9359126-4846-4E88-BDD9-5585CC877E47}" type="datetime1">
               <a:rPr lang="en-US" smtClean="0"/>
-              <a:t>1/10/2023</a:t>
+              <a:t>1/16/2023</a:t>
             </a:fld>
             <a:endParaRPr lang="en-US" dirty="0"/>
           </a:p>
@@ -2714,7 +2714,7 @@
           <a:p>
             <a:fld id="{1F96F347-1B2F-4097-AEB5-4A26FB45D67A}" type="datetime1">
               <a:rPr lang="en-US" smtClean="0"/>
-              <a:t>1/10/2023</a:t>
+              <a:t>1/16/2023</a:t>
             </a:fld>
             <a:endParaRPr lang="en-US" dirty="0"/>
           </a:p>
@@ -2976,7 +2976,7 @@
           <a:p>
             <a:fld id="{8CC1DEE0-34E5-4E0F-BEC1-4B8835F82CD1}" type="datetime1">
               <a:rPr lang="en-US" smtClean="0"/>
-              <a:t>1/10/2023</a:t>
+              <a:t>1/16/2023</a:t>
             </a:fld>
             <a:endParaRPr lang="en-US" dirty="0"/>
           </a:p>
@@ -3238,7 +3238,7 @@
           <a:p>
             <a:fld id="{3B75B4BE-627A-4EC1-99E1-6F1AA97AB802}" type="datetime1">
               <a:rPr lang="en-US" smtClean="0"/>
-              <a:t>1/10/2023</a:t>
+              <a:t>1/16/2023</a:t>
             </a:fld>
             <a:endParaRPr lang="en-US" dirty="0"/>
           </a:p>
@@ -3567,7 +3567,7 @@
           <a:p>
             <a:fld id="{78BFACF8-E63D-4673-A128-83547867BB7A}" type="datetime1">
               <a:rPr lang="en-US" smtClean="0"/>
-              <a:t>1/10/2023</a:t>
+              <a:t>1/16/2023</a:t>
             </a:fld>
             <a:endParaRPr lang="en-US" dirty="0"/>
           </a:p>
@@ -3890,7 +3890,7 @@
           <a:p>
             <a:fld id="{15BED6AC-4FBA-40BD-BE75-20DB64DA4BAD}" type="datetime1">
               <a:rPr lang="en-US" smtClean="0"/>
-              <a:t>1/10/2023</a:t>
+              <a:t>1/16/2023</a:t>
             </a:fld>
             <a:endParaRPr lang="en-US" dirty="0"/>
           </a:p>
@@ -4347,7 +4347,7 @@
           <a:p>
             <a:fld id="{3F933C87-D201-458A-93C0-8EDD9AC92D93}" type="datetime1">
               <a:rPr lang="en-US" smtClean="0"/>
-              <a:t>1/10/2023</a:t>
+              <a:t>1/16/2023</a:t>
             </a:fld>
             <a:endParaRPr lang="en-US" dirty="0"/>
           </a:p>
@@ -4552,7 +4552,7 @@
           <a:p>
             <a:fld id="{76CE6829-5A25-485A-91B1-5D6D58BB9F23}" type="datetime1">
               <a:rPr lang="en-US" smtClean="0"/>
-              <a:t>1/10/2023</a:t>
+              <a:t>1/16/2023</a:t>
             </a:fld>
             <a:endParaRPr lang="en-US" dirty="0"/>
           </a:p>
@@ -4729,7 +4729,7 @@
           <a:p>
             <a:fld id="{9912F5CD-23D0-4DD1-85B1-71F1825FB3EC}" type="datetime1">
               <a:rPr lang="en-US" smtClean="0"/>
-              <a:t>1/10/2023</a:t>
+              <a:t>1/16/2023</a:t>
             </a:fld>
             <a:endParaRPr lang="en-US" dirty="0"/>
           </a:p>
@@ -5062,7 +5062,7 @@
           <a:p>
             <a:fld id="{38BA5035-C284-496A-B076-BA73A8FA5D8B}" type="datetime1">
               <a:rPr lang="en-US" smtClean="0"/>
-              <a:t>1/10/2023</a:t>
+              <a:t>1/16/2023</a:t>
             </a:fld>
             <a:endParaRPr lang="en-US" dirty="0"/>
           </a:p>
@@ -5407,7 +5407,7 @@
           <a:p>
             <a:fld id="{B40EB420-1875-490A-8C4B-7AAB939FBE08}" type="datetime1">
               <a:rPr lang="en-US" smtClean="0"/>
-              <a:t>1/10/2023</a:t>
+              <a:t>1/16/2023</a:t>
             </a:fld>
             <a:endParaRPr lang="en-US" dirty="0"/>
           </a:p>
@@ -7524,7 +7524,7 @@
           <a:p>
             <a:fld id="{D9359126-4846-4E88-BDD9-5585CC877E47}" type="datetime1">
               <a:rPr lang="en-US" smtClean="0"/>
-              <a:t>1/10/2023</a:t>
+              <a:t>1/16/2023</a:t>
             </a:fld>
             <a:endParaRPr lang="en-US" dirty="0"/>
           </a:p>
@@ -8490,7 +8490,6 @@
               <a:rPr lang="en-US" sz="2000" dirty="0" smtClean="0"/>
               <a:t>GitHub is owned by Microsoft </a:t>
             </a:r>
-            <a:endParaRPr lang="en-US" sz="2000" dirty="0" smtClean="0"/>
           </a:p>
           <a:p>
             <a:pPr>
@@ -8684,11 +8683,23 @@
             </a:r>
             <a:r>
               <a:rPr lang="en-US" sz="2000" dirty="0"/>
-              <a:t> --global user.name </a:t>
-            </a:r>
-            <a:r>
-              <a:rPr lang="en-US" sz="2000" dirty="0" smtClean="0"/>
-              <a:t>“Umair Azmat"</a:t>
+              <a:t> --global </a:t>
+            </a:r>
+            <a:r>
+              <a:rPr lang="en-US" sz="2000"/>
+              <a:t>user.name </a:t>
+            </a:r>
+            <a:r>
+              <a:rPr lang="en-US" sz="2000" smtClean="0"/>
+              <a:t>“</a:t>
+            </a:r>
+            <a:r>
+              <a:rPr lang="en-US" sz="2000" smtClean="0"/>
+              <a:t>User Name</a:t>
+            </a:r>
+            <a:r>
+              <a:rPr lang="en-US" sz="2000" smtClean="0"/>
+              <a:t>"</a:t>
             </a:r>
             <a:endParaRPr lang="en-US" sz="2000" dirty="0"/>
           </a:p>
@@ -8723,7 +8734,7 @@
             </a:r>
             <a:r>
               <a:rPr lang="en-US" sz="2000" dirty="0" smtClean="0"/>
-              <a:t>“devumair260@gmail.com</a:t>
+              <a:t>“useremail@gmail.com</a:t>
             </a:r>
             <a:r>
               <a:rPr lang="en-US" sz="2000" dirty="0"/>
@@ -8736,7 +8747,7 @@
               <a:buAutoNum type="arabicPeriod"/>
             </a:pPr>
             <a:r>
-              <a:rPr lang="en-US" sz="2000" smtClean="0"/>
+              <a:rPr lang="en-US" sz="2000" dirty="0" smtClean="0"/>
               <a:t>when </a:t>
             </a:r>
             <a:r>
@@ -8942,8 +8953,9 @@
             </a:r>
             <a:r>
               <a:rPr lang="en-US" dirty="0" smtClean="0"/>
-              <a:t>origin</a:t>
-            </a:r>
+              <a:t>origin “Repo Link”</a:t>
+            </a:r>
+            <a:endParaRPr lang="en-US" dirty="0" smtClean="0"/>
           </a:p>
           <a:p>
             <a:pPr>
@@ -9594,6 +9606,23 @@
 </file>
 
 <file path=customXml/item1.xml><?xml version="1.0" encoding="utf-8"?>
+<?mso-contentType ?>
+<FormTemplates xmlns="http://schemas.microsoft.com/sharepoint/v3/contenttype/forms">
+  <Display>DocumentLibraryForm</Display>
+  <Edit>DocumentLibraryForm</Edit>
+  <New>DocumentLibraryForm</New>
+</FormTemplates>
+</file>
+
+<file path=customXml/item2.xml><?xml version="1.0" encoding="utf-8"?>
+<p:properties xmlns:p="http://schemas.microsoft.com/office/2006/metadata/properties" xmlns:xsi="http://www.w3.org/2001/XMLSchema-instance" xmlns:pc="http://schemas.microsoft.com/office/infopath/2007/PartnerControls">
+  <documentManagement>
+    <MediaServiceKeyPoints xmlns="71af3243-3dd4-4a8d-8c0d-dd76da1f02a5" xsi:nil="true"/>
+  </documentManagement>
+</p:properties>
+</file>
+
+<file path=customXml/item3.xml><?xml version="1.0" encoding="utf-8"?>
 <ct:contentTypeSchema xmlns:ct="http://schemas.microsoft.com/office/2006/metadata/contentType" xmlns:ma="http://schemas.microsoft.com/office/2006/metadata/properties/metaAttributes" ct:_="" ma:_="" ma:contentTypeName="Document" ma:contentTypeID="0x01010079F111ED35F8CC479449609E8A0923A6" ma:contentTypeVersion="11" ma:contentTypeDescription="Create a new document." ma:contentTypeScope="" ma:versionID="9677210f24a1be23c92c90fd886aa0aa">
   <xsd:schema xmlns:xsd="http://www.w3.org/2001/XMLSchema" xmlns:xs="http://www.w3.org/2001/XMLSchema" xmlns:p="http://schemas.microsoft.com/office/2006/metadata/properties" xmlns:ns2="71af3243-3dd4-4a8d-8c0d-dd76da1f02a5" xmlns:ns3="16c05727-aa75-4e4a-9b5f-8a80a1165891" targetNamespace="http://schemas.microsoft.com/office/2006/metadata/properties" ma:root="true" ma:fieldsID="60e05723c5c1908df1a1a4ebf11d344e" ns2:_="" ns3:_="">
     <xsd:import namespace="71af3243-3dd4-4a8d-8c0d-dd76da1f02a5"/>
@@ -9804,24 +9833,25 @@
 </ct:contentTypeSchema>
 </file>
 
-<file path=customXml/item2.xml><?xml version="1.0" encoding="utf-8"?>
-<p:properties xmlns:p="http://schemas.microsoft.com/office/2006/metadata/properties" xmlns:xsi="http://www.w3.org/2001/XMLSchema-instance" xmlns:pc="http://schemas.microsoft.com/office/infopath/2007/PartnerControls">
-  <documentManagement>
-    <MediaServiceKeyPoints xmlns="71af3243-3dd4-4a8d-8c0d-dd76da1f02a5" xsi:nil="true"/>
-  </documentManagement>
-</p:properties>
+<file path=customXml/itemProps1.xml><?xml version="1.0" encoding="utf-8"?>
+<ds:datastoreItem xmlns:ds="http://schemas.openxmlformats.org/officeDocument/2006/customXml" ds:itemID="{10BEB954-4024-4CCF-A9D6-4C00FDC028D9}">
+  <ds:schemaRefs>
+    <ds:schemaRef ds:uri="http://schemas.microsoft.com/sharepoint/v3/contenttype/forms"/>
+  </ds:schemaRefs>
+</ds:datastoreItem>
 </file>
 
-<file path=customXml/item3.xml><?xml version="1.0" encoding="utf-8"?>
-<?mso-contentType ?>
-<FormTemplates xmlns="http://schemas.microsoft.com/sharepoint/v3/contenttype/forms">
-  <Display>DocumentLibraryForm</Display>
-  <Edit>DocumentLibraryForm</Edit>
-  <New>DocumentLibraryForm</New>
-</FormTemplates>
+<file path=customXml/itemProps2.xml><?xml version="1.0" encoding="utf-8"?>
+<ds:datastoreItem xmlns:ds="http://schemas.openxmlformats.org/officeDocument/2006/customXml" ds:itemID="{4710EE66-8707-456F-8F2E-091D581CB030}">
+  <ds:schemaRefs>
+    <ds:schemaRef ds:uri="http://schemas.microsoft.com/office/2006/metadata/properties"/>
+    <ds:schemaRef ds:uri="http://schemas.microsoft.com/office/infopath/2007/PartnerControls"/>
+    <ds:schemaRef ds:uri="71af3243-3dd4-4a8d-8c0d-dd76da1f02a5"/>
+  </ds:schemaRefs>
+</ds:datastoreItem>
 </file>
 
-<file path=customXml/itemProps1.xml><?xml version="1.0" encoding="utf-8"?>
+<file path=customXml/itemProps3.xml><?xml version="1.0" encoding="utf-8"?>
 <ds:datastoreItem xmlns:ds="http://schemas.openxmlformats.org/officeDocument/2006/customXml" ds:itemID="{AB96CC85-5758-41C0-8EFD-737AFB69121D}">
   <ds:schemaRefs>
     <ds:schemaRef ds:uri="http://schemas.microsoft.com/office/2006/metadata/contentType"/>
@@ -9838,22 +9868,4 @@
     <ds:schemaRef ds:uri="http://schemas.microsoft.com/internal/obd"/>
   </ds:schemaRefs>
 </ds:datastoreItem>
-</file>
-
-<file path=customXml/itemProps2.xml><?xml version="1.0" encoding="utf-8"?>
-<ds:datastoreItem xmlns:ds="http://schemas.openxmlformats.org/officeDocument/2006/customXml" ds:itemID="{4710EE66-8707-456F-8F2E-091D581CB030}">
-  <ds:schemaRefs>
-    <ds:schemaRef ds:uri="http://schemas.microsoft.com/office/2006/metadata/properties"/>
-    <ds:schemaRef ds:uri="http://schemas.microsoft.com/office/infopath/2007/PartnerControls"/>
-    <ds:schemaRef ds:uri="71af3243-3dd4-4a8d-8c0d-dd76da1f02a5"/>
-  </ds:schemaRefs>
-</ds:datastoreItem>
-</file>
-
-<file path=customXml/itemProps3.xml><?xml version="1.0" encoding="utf-8"?>
-<ds:datastoreItem xmlns:ds="http://schemas.openxmlformats.org/officeDocument/2006/customXml" ds:itemID="{10BEB954-4024-4CCF-A9D6-4C00FDC028D9}">
-  <ds:schemaRefs>
-    <ds:schemaRef ds:uri="http://schemas.microsoft.com/sharepoint/v3/contenttype/forms"/>
-  </ds:schemaRefs>
-</ds:datastoreItem>
 </file>